--- a/FINAL/CrowdHackathon/RepeirNow.pptx
+++ b/FINAL/CrowdHackathon/RepeirNow.pptx
@@ -8,8 +8,8 @@
     <p:sldId id="260" r:id="rId2"/>
     <p:sldId id="261" r:id="rId3"/>
     <p:sldId id="262" r:id="rId4"/>
-    <p:sldId id="263" r:id="rId5"/>
-    <p:sldId id="264" r:id="rId6"/>
+    <p:sldId id="267" r:id="rId5"/>
+    <p:sldId id="266" r:id="rId6"/>
     <p:sldId id="265" r:id="rId7"/>
   </p:sldIdLst>
   <p:sldSz cx="9144000" cy="6858000" type="screen4x3"/>
@@ -5578,7 +5578,7 @@
         </p:nvSpPr>
         <p:spPr>
           <a:xfrm>
-            <a:off x="457200" y="0"/>
+            <a:off x="444137" y="0"/>
             <a:ext cx="7467600" cy="1143000"/>
           </a:xfrm>
         </p:spPr>
@@ -5586,7 +5586,6 @@
           <a:bodyPr/>
           <a:lstStyle/>
           <a:p>
-            <a:pPr algn="ctr"/>
             <a:r>
               <a:rPr lang="el-GR" dirty="0" smtClean="0"/>
               <a:t>Μοντέλο </a:t>
@@ -5609,100 +5608,48 @@
             <p:ph sz="quarter" idx="1"/>
           </p:nvPr>
         </p:nvSpPr>
-        <p:spPr/>
-        <p:txBody>
-          <a:bodyPr>
-            <a:normAutofit/>
-          </a:bodyPr>
+        <p:spPr>
+          <a:xfrm>
+            <a:off x="470263" y="1365069"/>
+            <a:ext cx="7467600" cy="4873752"/>
+          </a:xfrm>
+        </p:spPr>
+        <p:txBody>
+          <a:bodyPr/>
           <a:lstStyle/>
           <a:p>
             <a:pPr>
-              <a:buNone/>
+              <a:lnSpc>
+                <a:spcPct val="200000"/>
+              </a:lnSpc>
             </a:pPr>
             <a:r>
-              <a:rPr lang="el-GR" sz="2200" spc="300" dirty="0" smtClean="0"/>
-              <a:t>Μετά από ένα ατύχημα ο πελάτης βγάζει</a:t>
+              <a:rPr lang="el-GR" spc="300" dirty="0" smtClean="0"/>
+              <a:t>Ο πελάτης καταγράφει την ζημία και την δηλώνει στην υπηρεσία.</a:t>
             </a:r>
           </a:p>
           <a:p>
             <a:pPr>
-              <a:buNone/>
+              <a:lnSpc>
+                <a:spcPct val="200000"/>
+              </a:lnSpc>
             </a:pPr>
             <a:r>
-              <a:rPr lang="el-GR" sz="2200" spc="300" dirty="0" smtClean="0"/>
-              <a:t>φωτογραφίες και με μαζί μια μικρή περιγραφή</a:t>
+              <a:rPr lang="el-GR" spc="300" dirty="0" smtClean="0"/>
+              <a:t>Γίνονται προσφορές από τα συνεργεία.</a:t>
             </a:r>
           </a:p>
           <a:p>
             <a:pPr>
-              <a:buNone/>
+              <a:lnSpc>
+                <a:spcPct val="200000"/>
+              </a:lnSpc>
             </a:pPr>
             <a:r>
-              <a:rPr lang="el-GR" sz="2200" spc="300" dirty="0" smtClean="0"/>
-              <a:t>το ανεβάζει στην υπηρεσία.</a:t>
-            </a:r>
-          </a:p>
-          <a:p>
-            <a:pPr>
-              <a:buNone/>
-            </a:pPr>
-            <a:endParaRPr lang="el-GR" sz="2200" spc="300" dirty="0" smtClean="0"/>
-          </a:p>
-          <a:p>
-            <a:pPr>
-              <a:buNone/>
-            </a:pPr>
-            <a:r>
-              <a:rPr lang="el-GR" sz="2200" spc="300" dirty="0" smtClean="0"/>
-              <a:t>Η υπηρεσία δημοσιεύει την αίτηση στα</a:t>
-            </a:r>
-          </a:p>
-          <a:p>
-            <a:pPr>
-              <a:buNone/>
-            </a:pPr>
-            <a:r>
-              <a:rPr lang="el-GR" sz="2200" spc="300" dirty="0" smtClean="0"/>
-              <a:t>συνεργεία και αυτά κάνουν προσφορές για</a:t>
-            </a:r>
-          </a:p>
-          <a:p>
-            <a:pPr>
-              <a:buNone/>
-            </a:pPr>
-            <a:r>
-              <a:rPr lang="el-GR" sz="2200" spc="300" dirty="0" smtClean="0"/>
-              <a:t>τιμή και χρόνο επισκευής.</a:t>
-            </a:r>
-          </a:p>
-          <a:p>
-            <a:pPr>
-              <a:buNone/>
-            </a:pPr>
-            <a:endParaRPr lang="el-GR" sz="2200" spc="300" dirty="0" smtClean="0"/>
-          </a:p>
-          <a:p>
-            <a:pPr>
-              <a:buNone/>
-            </a:pPr>
-            <a:r>
-              <a:rPr lang="el-GR" sz="2200" spc="300" dirty="0" smtClean="0"/>
-              <a:t>Με αυτόν τον τρόπο ο πελάτης κερδίζει τον</a:t>
-            </a:r>
-          </a:p>
-          <a:p>
-            <a:pPr>
-              <a:buNone/>
-            </a:pPr>
-            <a:r>
-              <a:rPr lang="el-GR" sz="2200" spc="300" dirty="0" smtClean="0"/>
-              <a:t>καλύτερο συνδυασμό ποιότητας-τιμής</a:t>
-            </a:r>
-            <a:r>
-              <a:rPr lang="el-GR" sz="2600" dirty="0" smtClean="0"/>
-              <a:t>.</a:t>
-            </a:r>
-            <a:endParaRPr lang="el-GR" sz="2600" dirty="0"/>
+              <a:rPr lang="el-GR" spc="300" dirty="0" smtClean="0"/>
+              <a:t>Ο πελάτης επιλεγεί την λύση με τον καλύτερο συνδυασμό ποιότητα-τιμής. </a:t>
+            </a:r>
+            <a:endParaRPr lang="el-GR" spc="300" dirty="0"/>
           </a:p>
         </p:txBody>
       </p:sp>
@@ -5712,7 +5659,7 @@
     <a:masterClrMapping/>
   </p:clrMapOvr>
   <p:transition>
-    <p:pull/>
+    <p:wipe dir="d"/>
   </p:transition>
   <p:timing>
     <p:tnLst>
@@ -5753,7 +5700,7 @@
         </p:nvSpPr>
         <p:spPr>
           <a:xfrm>
-            <a:off x="470263" y="0"/>
+            <a:off x="457200" y="0"/>
             <a:ext cx="7467600" cy="1143000"/>
           </a:xfrm>
         </p:spPr>
@@ -5786,170 +5733,71 @@
         </p:nvSpPr>
         <p:spPr>
           <a:xfrm>
-            <a:off x="457200" y="1600200"/>
-            <a:ext cx="7467600" cy="5048794"/>
-          </a:xfrm>
-        </p:spPr>
-        <p:txBody>
-          <a:bodyPr>
-            <a:normAutofit fontScale="25000" lnSpcReduction="20000"/>
-          </a:bodyPr>
+            <a:off x="483326" y="1443445"/>
+            <a:ext cx="7467600" cy="4873752"/>
+          </a:xfrm>
+        </p:spPr>
+        <p:txBody>
+          <a:bodyPr/>
           <a:lstStyle/>
           <a:p>
             <a:pPr>
-              <a:buNone/>
+              <a:lnSpc>
+                <a:spcPct val="200000"/>
+              </a:lnSpc>
+              <a:buFont typeface="Wingdings" pitchFamily="2" charset="2"/>
+              <a:buChar char="§"/>
             </a:pPr>
             <a:r>
-              <a:rPr lang="el-GR" dirty="0" smtClean="0"/>
-              <a:t> </a:t>
-            </a:r>
-            <a:r>
-              <a:rPr lang="el-GR" sz="8800" spc="300" dirty="0" smtClean="0"/>
-              <a:t>Μετά από ένα ατύχημα, η ασφαλιστική</a:t>
+              <a:rPr lang="el-GR" spc="300" dirty="0" smtClean="0"/>
+              <a:t>Πρότυπο κέντρο αξιολόγησης ζημιάς</a:t>
             </a:r>
           </a:p>
           <a:p>
             <a:pPr>
-              <a:buNone/>
+              <a:lnSpc>
+                <a:spcPct val="200000"/>
+              </a:lnSpc>
+              <a:buFont typeface="Wingdings" pitchFamily="2" charset="2"/>
+              <a:buChar char="§"/>
             </a:pPr>
             <a:r>
-              <a:rPr lang="el-GR" sz="8800" spc="300" dirty="0" smtClean="0"/>
-              <a:t>πηγαίνει το όχημα σε ένα κέντρο αξιολόγησης</a:t>
+              <a:rPr lang="el-GR" spc="300" dirty="0" smtClean="0"/>
+              <a:t> Δημοσίευση φόρμας σε δίκτυο συνεργειών</a:t>
             </a:r>
           </a:p>
           <a:p>
             <a:pPr>
-              <a:buNone/>
+              <a:lnSpc>
+                <a:spcPct val="200000"/>
+              </a:lnSpc>
+              <a:buFont typeface="Wingdings" pitchFamily="2" charset="2"/>
+              <a:buChar char="§"/>
             </a:pPr>
             <a:r>
-              <a:rPr lang="el-GR" sz="8800" spc="300" dirty="0" smtClean="0"/>
-              <a:t>της ζημιάς.</a:t>
+              <a:rPr lang="el-GR" spc="300" dirty="0" smtClean="0"/>
+              <a:t> Προσφορές από τα συνεργεία </a:t>
             </a:r>
           </a:p>
           <a:p>
             <a:pPr>
-              <a:buNone/>
+              <a:lnSpc>
+                <a:spcPct val="200000"/>
+              </a:lnSpc>
+              <a:buFont typeface="Wingdings" pitchFamily="2" charset="2"/>
+              <a:buChar char="§"/>
             </a:pPr>
             <a:r>
-              <a:rPr lang="el-GR" sz="8800" spc="300" dirty="0" smtClean="0"/>
-              <a:t> </a:t>
+              <a:rPr lang="el-GR" spc="300" dirty="0" smtClean="0"/>
+              <a:t>Επιλογή της βέλτιστης λύσης </a:t>
             </a:r>
           </a:p>
           <a:p>
             <a:pPr>
-              <a:buNone/>
+              <a:buFont typeface="Wingdings" pitchFamily="2" charset="2"/>
+              <a:buChar char="§"/>
             </a:pPr>
-            <a:r>
-              <a:rPr lang="el-GR" sz="8800" spc="300" dirty="0" smtClean="0"/>
-              <a:t>Εκεί δημιουργείτε μια φόρμα με τους</a:t>
-            </a:r>
-          </a:p>
-          <a:p>
-            <a:pPr>
-              <a:buNone/>
-            </a:pPr>
-            <a:r>
-              <a:rPr lang="el-GR" sz="8800" spc="300" dirty="0" smtClean="0"/>
-              <a:t>κωδικούς των ανταλλακτικών η όποια</a:t>
-            </a:r>
-          </a:p>
-          <a:p>
-            <a:pPr>
-              <a:buNone/>
-            </a:pPr>
-            <a:r>
-              <a:rPr lang="el-GR" sz="8800" spc="300" dirty="0" smtClean="0"/>
-              <a:t>ανεβαίνει στην υπηρεσία μας.</a:t>
-            </a:r>
-            <a:br>
-              <a:rPr lang="el-GR" sz="8800" spc="300" dirty="0" smtClean="0"/>
-            </a:br>
-            <a:endParaRPr lang="el-GR" sz="8800" spc="300" dirty="0" smtClean="0"/>
-          </a:p>
-          <a:p>
-            <a:pPr>
-              <a:buNone/>
-            </a:pPr>
-            <a:r>
-              <a:rPr lang="el-GR" sz="8800" spc="300" dirty="0" smtClean="0"/>
-              <a:t>Με παρόμοιο τρόπο γίνονται προσφορές από</a:t>
-            </a:r>
-          </a:p>
-          <a:p>
-            <a:pPr>
-              <a:buNone/>
-            </a:pPr>
-            <a:r>
-              <a:rPr lang="el-GR" sz="8800" spc="300" dirty="0" smtClean="0"/>
-              <a:t>τα συνεργεία και η ασφαλιστική διαλέγει το</a:t>
-            </a:r>
-          </a:p>
-          <a:p>
-            <a:pPr>
-              <a:buNone/>
-            </a:pPr>
-            <a:r>
-              <a:rPr lang="el-GR" sz="8800" spc="300" dirty="0" smtClean="0"/>
-              <a:t>βέλτιστο</a:t>
-            </a:r>
-            <a:r>
-              <a:rPr lang="el-GR" sz="8800" dirty="0" smtClean="0"/>
-              <a:t>.</a:t>
-            </a:r>
-          </a:p>
-          <a:p>
-            <a:pPr>
-              <a:buNone/>
-            </a:pPr>
-            <a:r>
-              <a:rPr lang="el-GR" dirty="0" smtClean="0"/>
-              <a:t> </a:t>
-            </a:r>
-          </a:p>
-          <a:p>
-            <a:pPr>
-              <a:buNone/>
-            </a:pPr>
-            <a:r>
-              <a:rPr lang="el-GR" dirty="0" smtClean="0"/>
-              <a:t>  </a:t>
-            </a:r>
-          </a:p>
-          <a:p>
-            <a:pPr>
-              <a:buNone/>
-            </a:pPr>
-            <a:r>
-              <a:rPr lang="el-GR" sz="8800" spc="300" dirty="0" smtClean="0"/>
-              <a:t>Το μοντέλο αυτό με μικρές προσαρμογές</a:t>
-            </a:r>
-          </a:p>
-          <a:p>
-            <a:pPr>
-              <a:buNone/>
-            </a:pPr>
-            <a:r>
-              <a:rPr lang="el-GR" sz="8800" spc="300" dirty="0" smtClean="0"/>
-              <a:t>είναι προσαρμόσιμο και σε άλλες </a:t>
-            </a:r>
-            <a:r>
-              <a:rPr lang="en-US" sz="8800" spc="300" dirty="0" err="1" smtClean="0"/>
-              <a:t>Bto</a:t>
-            </a:r>
-            <a:r>
-              <a:rPr lang="el-GR" sz="8800" spc="300" dirty="0" smtClean="0"/>
-              <a:t>Β</a:t>
-            </a:r>
-          </a:p>
-          <a:p>
-            <a:pPr>
-              <a:buNone/>
-            </a:pPr>
-            <a:r>
-              <a:rPr lang="el-GR" sz="8800" spc="300" dirty="0" smtClean="0"/>
-              <a:t>υπηρεσίες.</a:t>
-            </a:r>
-            <a:endParaRPr lang="el-GR" sz="8800" spc="300" dirty="0"/>
+            <a:endParaRPr lang="el-GR" dirty="0"/>
           </a:p>
         </p:txBody>
       </p:sp>
@@ -5958,6 +5806,9 @@
   <p:clrMapOvr>
     <a:masterClrMapping/>
   </p:clrMapOvr>
+  <p:transition>
+    <p:pull dir="u"/>
+  </p:transition>
   <p:timing>
     <p:tnLst>
       <p:par>
@@ -6087,6 +5938,9 @@
   <p:clrMapOvr>
     <a:masterClrMapping/>
   </p:clrMapOvr>
+  <p:transition>
+    <p:cover dir="u"/>
+  </p:transition>
   <p:timing>
     <p:tnLst>
       <p:par>

--- a/FINAL/CrowdHackathon/RepeirNow.pptx
+++ b/FINAL/CrowdHackathon/RepeirNow.pptx
@@ -8,8 +8,8 @@
     <p:sldId id="260" r:id="rId2"/>
     <p:sldId id="261" r:id="rId3"/>
     <p:sldId id="262" r:id="rId4"/>
-    <p:sldId id="267" r:id="rId5"/>
-    <p:sldId id="266" r:id="rId6"/>
+    <p:sldId id="266" r:id="rId5"/>
+    <p:sldId id="267" r:id="rId6"/>
     <p:sldId id="265" r:id="rId7"/>
   </p:sldIdLst>
   <p:sldSz cx="9144000" cy="6858000" type="screen4x3"/>
@@ -5422,8 +5422,17 @@
             </a:r>
             <a:r>
               <a:rPr lang="el-GR" spc="300" dirty="0" smtClean="0"/>
-              <a:t>Υλοποιήσαμε ένα πρότυπο και δίκαιο σύστημα που ενώνει : </a:t>
-            </a:r>
+              <a:t>Υλοποιήσαμε ένα πρότυπο και δίκαιο σύστημα που </a:t>
+            </a:r>
+            <a:r>
+              <a:rPr lang="el-GR" spc="300" dirty="0" smtClean="0"/>
+              <a:t>ωφελεί</a:t>
+            </a:r>
+            <a:r>
+              <a:rPr lang="el-GR" spc="300" dirty="0" smtClean="0"/>
+              <a:t>: </a:t>
+            </a:r>
+            <a:endParaRPr lang="el-GR" spc="300" dirty="0" smtClean="0"/>
           </a:p>
           <a:p>
             <a:pPr>
@@ -5438,8 +5447,9 @@
             </a:pPr>
             <a:r>
               <a:rPr lang="el-GR" spc="300" dirty="0" smtClean="0"/>
-              <a:t>Πελάτες</a:t>
-            </a:r>
+              <a:t>Ασφαλιστικούς οργανισμούς   </a:t>
+            </a:r>
+            <a:endParaRPr lang="el-GR" spc="300" dirty="0" smtClean="0"/>
           </a:p>
           <a:p>
             <a:pPr>
@@ -5448,7 +5458,7 @@
             </a:pPr>
             <a:r>
               <a:rPr lang="el-GR" spc="300" dirty="0" smtClean="0"/>
-              <a:t>Ασφαλιστικές  </a:t>
+              <a:t>Πελάτες</a:t>
             </a:r>
           </a:p>
           <a:p>
@@ -5460,6 +5470,7 @@
               <a:rPr lang="el-GR" spc="300" dirty="0" smtClean="0"/>
               <a:t>Συνεργεία</a:t>
             </a:r>
+            <a:endParaRPr lang="el-GR" spc="300" dirty="0" smtClean="0"/>
           </a:p>
           <a:p>
             <a:pPr>
@@ -5478,10 +5489,14 @@
             </a:r>
             <a:r>
               <a:rPr lang="el-GR" spc="300" dirty="0" smtClean="0"/>
-              <a:t>Έχει 2 τομείς Β</a:t>
-            </a:r>
-            <a:r>
-              <a:rPr lang="en-US" spc="300" dirty="0" err="1" smtClean="0"/>
+              <a:t>Έχει 2 τομείς </a:t>
+            </a:r>
+            <a:r>
+              <a:rPr lang="el-GR" sz="3200" spc="300" dirty="0" smtClean="0"/>
+              <a:t>Β</a:t>
+            </a:r>
+            <a:r>
+              <a:rPr lang="en-US" sz="3200" spc="300" dirty="0" err="1" smtClean="0"/>
               <a:t>toB</a:t>
             </a:r>
             <a:r>
@@ -5502,7 +5517,7 @@
               <a:t>  και </a:t>
             </a:r>
             <a:r>
-              <a:rPr lang="en-US" spc="300" dirty="0" err="1" smtClean="0"/>
+              <a:rPr lang="en-US" sz="3200" spc="300" dirty="0" err="1" smtClean="0"/>
               <a:t>BtoC</a:t>
             </a:r>
             <a:r>
@@ -5578,7 +5593,7 @@
         </p:nvSpPr>
         <p:spPr>
           <a:xfrm>
-            <a:off x="444137" y="0"/>
+            <a:off x="457200" y="0"/>
             <a:ext cx="7467600" cy="1143000"/>
           </a:xfrm>
         </p:spPr>
@@ -5586,15 +5601,32 @@
           <a:bodyPr/>
           <a:lstStyle/>
           <a:p>
+            <a:pPr algn="ctr"/>
             <a:r>
               <a:rPr lang="el-GR" dirty="0" smtClean="0"/>
               <a:t>Μοντέλο </a:t>
             </a:r>
             <a:r>
-              <a:rPr lang="en-US" dirty="0" smtClean="0"/>
-              <a:t>Business-to-Consumer</a:t>
-            </a:r>
-            <a:endParaRPr lang="el-GR" dirty="0"/>
+              <a:rPr lang="en-US" sz="3200" b="1" dirty="0" smtClean="0">
+                <a:solidFill>
+                  <a:srgbClr val="FF0000"/>
+                </a:solidFill>
+              </a:rPr>
+              <a:t>Business</a:t>
+            </a:r>
+            <a:r>
+              <a:rPr lang="en-US" sz="3200" b="1" dirty="0" smtClean="0">
+                <a:solidFill>
+                  <a:srgbClr val="FF0000"/>
+                </a:solidFill>
+              </a:rPr>
+              <a:t>-to-Business</a:t>
+            </a:r>
+            <a:endParaRPr lang="el-GR" sz="4000" b="1" dirty="0">
+              <a:solidFill>
+                <a:srgbClr val="FF0000"/>
+              </a:solidFill>
+            </a:endParaRPr>
           </a:p>
         </p:txBody>
       </p:sp>
@@ -5610,7 +5642,7 @@
         </p:nvSpPr>
         <p:spPr>
           <a:xfrm>
-            <a:off x="470263" y="1365069"/>
+            <a:off x="483326" y="1443445"/>
             <a:ext cx="7467600" cy="4873752"/>
           </a:xfrm>
         </p:spPr>
@@ -5622,10 +5654,12 @@
               <a:lnSpc>
                 <a:spcPct val="200000"/>
               </a:lnSpc>
+              <a:buFont typeface="Wingdings" pitchFamily="2" charset="2"/>
+              <a:buChar char="§"/>
             </a:pPr>
             <a:r>
               <a:rPr lang="el-GR" spc="300" dirty="0" smtClean="0"/>
-              <a:t>Ο πελάτης καταγράφει την ζημία και την δηλώνει στην υπηρεσία.</a:t>
+              <a:t>Πρότυπο κέντρο αξιολόγησης ζημιάς</a:t>
             </a:r>
           </a:p>
           <a:p>
@@ -5633,23 +5667,78 @@
               <a:lnSpc>
                 <a:spcPct val="200000"/>
               </a:lnSpc>
+              <a:buFont typeface="Wingdings" pitchFamily="2" charset="2"/>
+              <a:buChar char="§"/>
             </a:pPr>
             <a:r>
               <a:rPr lang="el-GR" spc="300" dirty="0" smtClean="0"/>
-              <a:t>Γίνονται προσφορές από τα συνεργεία.</a:t>
-            </a:r>
+              <a:t> </a:t>
+            </a:r>
+            <a:r>
+              <a:rPr lang="el-GR" spc="300" dirty="0" smtClean="0"/>
+              <a:t>Χρήση .</a:t>
+            </a:r>
+            <a:r>
+              <a:rPr lang="en-US" spc="300" dirty="0" err="1" smtClean="0"/>
+              <a:t>api</a:t>
+            </a:r>
+            <a:r>
+              <a:rPr lang="en-US" spc="300" dirty="0" smtClean="0"/>
+              <a:t>  </a:t>
+            </a:r>
+            <a:r>
+              <a:rPr lang="el-GR" spc="300" dirty="0" smtClean="0"/>
+              <a:t>υπουργείου μεταφορών</a:t>
+            </a:r>
+            <a:endParaRPr lang="el-GR" spc="300" dirty="0" smtClean="0"/>
           </a:p>
           <a:p>
             <a:pPr>
               <a:lnSpc>
                 <a:spcPct val="200000"/>
               </a:lnSpc>
+              <a:buFont typeface="Wingdings" pitchFamily="2" charset="2"/>
+              <a:buChar char="§"/>
             </a:pPr>
             <a:r>
               <a:rPr lang="el-GR" spc="300" dirty="0" smtClean="0"/>
-              <a:t>Ο πελάτης επιλεγεί την λύση με τον καλύτερο συνδυασμό ποιότητα-τιμής. </a:t>
-            </a:r>
-            <a:endParaRPr lang="el-GR" spc="300" dirty="0"/>
+              <a:t> Προσφορές από τα συνεργεία </a:t>
+            </a:r>
+          </a:p>
+          <a:p>
+            <a:pPr>
+              <a:lnSpc>
+                <a:spcPct val="200000"/>
+              </a:lnSpc>
+              <a:buFont typeface="Wingdings" pitchFamily="2" charset="2"/>
+              <a:buChar char="§"/>
+            </a:pPr>
+            <a:r>
+              <a:rPr lang="el-GR" spc="300" dirty="0" smtClean="0"/>
+              <a:t>Επιλογή της βέλτιστης λύσης </a:t>
+            </a:r>
+            <a:endParaRPr lang="en-US" spc="300" dirty="0" smtClean="0"/>
+          </a:p>
+          <a:p>
+            <a:pPr>
+              <a:lnSpc>
+                <a:spcPct val="200000"/>
+              </a:lnSpc>
+              <a:buFont typeface="Wingdings" pitchFamily="2" charset="2"/>
+              <a:buChar char="§"/>
+            </a:pPr>
+            <a:r>
+              <a:rPr lang="el-GR" spc="300" dirty="0" smtClean="0"/>
+              <a:t>Προώθηση αυτής σε πελάτες   </a:t>
+            </a:r>
+            <a:endParaRPr lang="el-GR" spc="300" dirty="0" smtClean="0"/>
+          </a:p>
+          <a:p>
+            <a:pPr>
+              <a:buFont typeface="Wingdings" pitchFamily="2" charset="2"/>
+              <a:buChar char="§"/>
+            </a:pPr>
+            <a:endParaRPr lang="el-GR" dirty="0"/>
           </a:p>
         </p:txBody>
       </p:sp>
@@ -5659,7 +5748,7 @@
     <a:masterClrMapping/>
   </p:clrMapOvr>
   <p:transition>
-    <p:wipe dir="d"/>
+    <p:pull dir="u"/>
   </p:transition>
   <p:timing>
     <p:tnLst>
@@ -5700,7 +5789,7 @@
         </p:nvSpPr>
         <p:spPr>
           <a:xfrm>
-            <a:off x="457200" y="0"/>
+            <a:off x="444137" y="0"/>
             <a:ext cx="7467600" cy="1143000"/>
           </a:xfrm>
         </p:spPr>
@@ -5714,10 +5803,18 @@
               <a:t>Μοντέλο </a:t>
             </a:r>
             <a:r>
-              <a:rPr lang="en-US" dirty="0" smtClean="0"/>
-              <a:t>Business-to-Business</a:t>
-            </a:r>
-            <a:endParaRPr lang="el-GR" dirty="0"/>
+              <a:rPr lang="en-US" sz="3200" b="1" dirty="0" smtClean="0">
+                <a:solidFill>
+                  <a:srgbClr val="FF0000"/>
+                </a:solidFill>
+              </a:rPr>
+              <a:t>Business-to-Consumer</a:t>
+            </a:r>
+            <a:endParaRPr lang="el-GR" b="1" dirty="0">
+              <a:solidFill>
+                <a:srgbClr val="FF0000"/>
+              </a:solidFill>
+            </a:endParaRPr>
           </a:p>
         </p:txBody>
       </p:sp>
@@ -5733,7 +5830,7 @@
         </p:nvSpPr>
         <p:spPr>
           <a:xfrm>
-            <a:off x="483326" y="1443445"/>
+            <a:off x="470263" y="1365069"/>
             <a:ext cx="7467600" cy="4873752"/>
           </a:xfrm>
         </p:spPr>
@@ -5745,12 +5842,10 @@
               <a:lnSpc>
                 <a:spcPct val="200000"/>
               </a:lnSpc>
-              <a:buFont typeface="Wingdings" pitchFamily="2" charset="2"/>
-              <a:buChar char="§"/>
             </a:pPr>
             <a:r>
               <a:rPr lang="el-GR" spc="300" dirty="0" smtClean="0"/>
-              <a:t>Πρότυπο κέντρο αξιολόγησης ζημιάς</a:t>
+              <a:t>Ο πελάτης καταγράφει την ζημία και την δηλώνει στην υπηρεσία.</a:t>
             </a:r>
           </a:p>
           <a:p>
@@ -5758,12 +5853,10 @@
               <a:lnSpc>
                 <a:spcPct val="200000"/>
               </a:lnSpc>
-              <a:buFont typeface="Wingdings" pitchFamily="2" charset="2"/>
-              <a:buChar char="§"/>
             </a:pPr>
             <a:r>
               <a:rPr lang="el-GR" spc="300" dirty="0" smtClean="0"/>
-              <a:t> Δημοσίευση φόρμας σε δίκτυο συνεργειών</a:t>
+              <a:t>Γίνονται προσφορές από τα συνεργεία.</a:t>
             </a:r>
           </a:p>
           <a:p>
@@ -5771,33 +5864,12 @@
               <a:lnSpc>
                 <a:spcPct val="200000"/>
               </a:lnSpc>
-              <a:buFont typeface="Wingdings" pitchFamily="2" charset="2"/>
-              <a:buChar char="§"/>
             </a:pPr>
             <a:r>
               <a:rPr lang="el-GR" spc="300" dirty="0" smtClean="0"/>
-              <a:t> Προσφορές από τα συνεργεία </a:t>
-            </a:r>
-          </a:p>
-          <a:p>
-            <a:pPr>
-              <a:lnSpc>
-                <a:spcPct val="200000"/>
-              </a:lnSpc>
-              <a:buFont typeface="Wingdings" pitchFamily="2" charset="2"/>
-              <a:buChar char="§"/>
-            </a:pPr>
-            <a:r>
-              <a:rPr lang="el-GR" spc="300" dirty="0" smtClean="0"/>
-              <a:t>Επιλογή της βέλτιστης λύσης </a:t>
-            </a:r>
-          </a:p>
-          <a:p>
-            <a:pPr>
-              <a:buFont typeface="Wingdings" pitchFamily="2" charset="2"/>
-              <a:buChar char="§"/>
-            </a:pPr>
-            <a:endParaRPr lang="el-GR" dirty="0"/>
+              <a:t>Ο πελάτης επιλεγεί την λύση με τον καλύτερο συνδυασμό ποιότητα-τιμής. </a:t>
+            </a:r>
+            <a:endParaRPr lang="el-GR" spc="300" dirty="0"/>
           </a:p>
         </p:txBody>
       </p:sp>
@@ -5807,7 +5879,7 @@
     <a:masterClrMapping/>
   </p:clrMapOvr>
   <p:transition>
-    <p:pull dir="u"/>
+    <p:wipe dir="d"/>
   </p:transition>
   <p:timing>
     <p:tnLst>
